--- a/data/documents/Презентация.pptx
+++ b/data/documents/Презентация.pptx
@@ -248,7 +248,7 @@
           <a:p>
             <a:fld id="{5CCDA9E1-605A-4B27-B5C6-9CF658773012}" type="datetimeFigureOut">
               <a:rPr lang="ru-RU" smtClean="0"/>
-              <a:t>21.01.2022</a:t>
+              <a:t>24.01.2022</a:t>
             </a:fld>
             <a:endParaRPr lang="ru-RU"/>
           </a:p>
@@ -418,7 +418,7 @@
           <a:p>
             <a:fld id="{5CCDA9E1-605A-4B27-B5C6-9CF658773012}" type="datetimeFigureOut">
               <a:rPr lang="ru-RU" smtClean="0"/>
-              <a:t>21.01.2022</a:t>
+              <a:t>24.01.2022</a:t>
             </a:fld>
             <a:endParaRPr lang="ru-RU"/>
           </a:p>
@@ -598,7 +598,7 @@
           <a:p>
             <a:fld id="{5CCDA9E1-605A-4B27-B5C6-9CF658773012}" type="datetimeFigureOut">
               <a:rPr lang="ru-RU" smtClean="0"/>
-              <a:t>21.01.2022</a:t>
+              <a:t>24.01.2022</a:t>
             </a:fld>
             <a:endParaRPr lang="ru-RU"/>
           </a:p>
@@ -768,7 +768,7 @@
           <a:p>
             <a:fld id="{5CCDA9E1-605A-4B27-B5C6-9CF658773012}" type="datetimeFigureOut">
               <a:rPr lang="ru-RU" smtClean="0"/>
-              <a:t>21.01.2022</a:t>
+              <a:t>24.01.2022</a:t>
             </a:fld>
             <a:endParaRPr lang="ru-RU"/>
           </a:p>
@@ -1014,7 +1014,7 @@
           <a:p>
             <a:fld id="{5CCDA9E1-605A-4B27-B5C6-9CF658773012}" type="datetimeFigureOut">
               <a:rPr lang="ru-RU" smtClean="0"/>
-              <a:t>21.01.2022</a:t>
+              <a:t>24.01.2022</a:t>
             </a:fld>
             <a:endParaRPr lang="ru-RU"/>
           </a:p>
@@ -1246,7 +1246,7 @@
           <a:p>
             <a:fld id="{5CCDA9E1-605A-4B27-B5C6-9CF658773012}" type="datetimeFigureOut">
               <a:rPr lang="ru-RU" smtClean="0"/>
-              <a:t>21.01.2022</a:t>
+              <a:t>24.01.2022</a:t>
             </a:fld>
             <a:endParaRPr lang="ru-RU"/>
           </a:p>
@@ -1613,7 +1613,7 @@
           <a:p>
             <a:fld id="{5CCDA9E1-605A-4B27-B5C6-9CF658773012}" type="datetimeFigureOut">
               <a:rPr lang="ru-RU" smtClean="0"/>
-              <a:t>21.01.2022</a:t>
+              <a:t>24.01.2022</a:t>
             </a:fld>
             <a:endParaRPr lang="ru-RU"/>
           </a:p>
@@ -1731,7 +1731,7 @@
           <a:p>
             <a:fld id="{5CCDA9E1-605A-4B27-B5C6-9CF658773012}" type="datetimeFigureOut">
               <a:rPr lang="ru-RU" smtClean="0"/>
-              <a:t>21.01.2022</a:t>
+              <a:t>24.01.2022</a:t>
             </a:fld>
             <a:endParaRPr lang="ru-RU"/>
           </a:p>
@@ -1826,7 +1826,7 @@
           <a:p>
             <a:fld id="{5CCDA9E1-605A-4B27-B5C6-9CF658773012}" type="datetimeFigureOut">
               <a:rPr lang="ru-RU" smtClean="0"/>
-              <a:t>21.01.2022</a:t>
+              <a:t>24.01.2022</a:t>
             </a:fld>
             <a:endParaRPr lang="ru-RU"/>
           </a:p>
@@ -2103,7 +2103,7 @@
           <a:p>
             <a:fld id="{5CCDA9E1-605A-4B27-B5C6-9CF658773012}" type="datetimeFigureOut">
               <a:rPr lang="ru-RU" smtClean="0"/>
-              <a:t>21.01.2022</a:t>
+              <a:t>24.01.2022</a:t>
             </a:fld>
             <a:endParaRPr lang="ru-RU"/>
           </a:p>
@@ -2356,7 +2356,7 @@
           <a:p>
             <a:fld id="{5CCDA9E1-605A-4B27-B5C6-9CF658773012}" type="datetimeFigureOut">
               <a:rPr lang="ru-RU" smtClean="0"/>
-              <a:t>21.01.2022</a:t>
+              <a:t>24.01.2022</a:t>
             </a:fld>
             <a:endParaRPr lang="ru-RU"/>
           </a:p>
@@ -2569,7 +2569,7 @@
           <a:p>
             <a:fld id="{5CCDA9E1-605A-4B27-B5C6-9CF658773012}" type="datetimeFigureOut">
               <a:rPr lang="ru-RU" smtClean="0"/>
-              <a:t>21.01.2022</a:t>
+              <a:t>24.01.2022</a:t>
             </a:fld>
             <a:endParaRPr lang="ru-RU"/>
           </a:p>
@@ -3774,7 +3774,7 @@
         </p:blipFill>
         <p:spPr>
           <a:xfrm>
-            <a:off x="6056654" y="1668020"/>
+            <a:off x="6100196" y="1920569"/>
             <a:ext cx="3575312" cy="3575312"/>
           </a:xfrm>
         </p:spPr>

--- a/data/documents/Презентация.pptx
+++ b/data/documents/Презентация.pptx
@@ -6,11 +6,14 @@
   </p:sldMasterIdLst>
   <p:sldIdLst>
     <p:sldId id="256" r:id="rId2"/>
-    <p:sldId id="257" r:id="rId3"/>
-    <p:sldId id="258" r:id="rId4"/>
-    <p:sldId id="259" r:id="rId5"/>
-    <p:sldId id="260" r:id="rId6"/>
-    <p:sldId id="261" r:id="rId7"/>
+    <p:sldId id="264" r:id="rId3"/>
+    <p:sldId id="259" r:id="rId4"/>
+    <p:sldId id="260" r:id="rId5"/>
+    <p:sldId id="262" r:id="rId6"/>
+    <p:sldId id="258" r:id="rId7"/>
+    <p:sldId id="261" r:id="rId8"/>
+    <p:sldId id="263" r:id="rId9"/>
+    <p:sldId id="265" r:id="rId10"/>
   </p:sldIdLst>
   <p:sldSz cx="12192000" cy="6858000"/>
   <p:notesSz cx="6858000" cy="9144000"/>
@@ -248,7 +251,7 @@
           <a:p>
             <a:fld id="{5CCDA9E1-605A-4B27-B5C6-9CF658773012}" type="datetimeFigureOut">
               <a:rPr lang="ru-RU" smtClean="0"/>
-              <a:t>24.01.2022</a:t>
+              <a:t>02.02.2022</a:t>
             </a:fld>
             <a:endParaRPr lang="ru-RU"/>
           </a:p>
@@ -418,7 +421,7 @@
           <a:p>
             <a:fld id="{5CCDA9E1-605A-4B27-B5C6-9CF658773012}" type="datetimeFigureOut">
               <a:rPr lang="ru-RU" smtClean="0"/>
-              <a:t>24.01.2022</a:t>
+              <a:t>02.02.2022</a:t>
             </a:fld>
             <a:endParaRPr lang="ru-RU"/>
           </a:p>
@@ -598,7 +601,7 @@
           <a:p>
             <a:fld id="{5CCDA9E1-605A-4B27-B5C6-9CF658773012}" type="datetimeFigureOut">
               <a:rPr lang="ru-RU" smtClean="0"/>
-              <a:t>24.01.2022</a:t>
+              <a:t>02.02.2022</a:t>
             </a:fld>
             <a:endParaRPr lang="ru-RU"/>
           </a:p>
@@ -768,7 +771,7 @@
           <a:p>
             <a:fld id="{5CCDA9E1-605A-4B27-B5C6-9CF658773012}" type="datetimeFigureOut">
               <a:rPr lang="ru-RU" smtClean="0"/>
-              <a:t>24.01.2022</a:t>
+              <a:t>02.02.2022</a:t>
             </a:fld>
             <a:endParaRPr lang="ru-RU"/>
           </a:p>
@@ -1014,7 +1017,7 @@
           <a:p>
             <a:fld id="{5CCDA9E1-605A-4B27-B5C6-9CF658773012}" type="datetimeFigureOut">
               <a:rPr lang="ru-RU" smtClean="0"/>
-              <a:t>24.01.2022</a:t>
+              <a:t>02.02.2022</a:t>
             </a:fld>
             <a:endParaRPr lang="ru-RU"/>
           </a:p>
@@ -1246,7 +1249,7 @@
           <a:p>
             <a:fld id="{5CCDA9E1-605A-4B27-B5C6-9CF658773012}" type="datetimeFigureOut">
               <a:rPr lang="ru-RU" smtClean="0"/>
-              <a:t>24.01.2022</a:t>
+              <a:t>02.02.2022</a:t>
             </a:fld>
             <a:endParaRPr lang="ru-RU"/>
           </a:p>
@@ -1613,7 +1616,7 @@
           <a:p>
             <a:fld id="{5CCDA9E1-605A-4B27-B5C6-9CF658773012}" type="datetimeFigureOut">
               <a:rPr lang="ru-RU" smtClean="0"/>
-              <a:t>24.01.2022</a:t>
+              <a:t>02.02.2022</a:t>
             </a:fld>
             <a:endParaRPr lang="ru-RU"/>
           </a:p>
@@ -1731,7 +1734,7 @@
           <a:p>
             <a:fld id="{5CCDA9E1-605A-4B27-B5C6-9CF658773012}" type="datetimeFigureOut">
               <a:rPr lang="ru-RU" smtClean="0"/>
-              <a:t>24.01.2022</a:t>
+              <a:t>02.02.2022</a:t>
             </a:fld>
             <a:endParaRPr lang="ru-RU"/>
           </a:p>
@@ -1826,7 +1829,7 @@
           <a:p>
             <a:fld id="{5CCDA9E1-605A-4B27-B5C6-9CF658773012}" type="datetimeFigureOut">
               <a:rPr lang="ru-RU" smtClean="0"/>
-              <a:t>24.01.2022</a:t>
+              <a:t>02.02.2022</a:t>
             </a:fld>
             <a:endParaRPr lang="ru-RU"/>
           </a:p>
@@ -2103,7 +2106,7 @@
           <a:p>
             <a:fld id="{5CCDA9E1-605A-4B27-B5C6-9CF658773012}" type="datetimeFigureOut">
               <a:rPr lang="ru-RU" smtClean="0"/>
-              <a:t>24.01.2022</a:t>
+              <a:t>02.02.2022</a:t>
             </a:fld>
             <a:endParaRPr lang="ru-RU"/>
           </a:p>
@@ -2356,7 +2359,7 @@
           <a:p>
             <a:fld id="{5CCDA9E1-605A-4B27-B5C6-9CF658773012}" type="datetimeFigureOut">
               <a:rPr lang="ru-RU" smtClean="0"/>
-              <a:t>24.01.2022</a:t>
+              <a:t>02.02.2022</a:t>
             </a:fld>
             <a:endParaRPr lang="ru-RU"/>
           </a:p>
@@ -2569,7 +2572,7 @@
           <a:p>
             <a:fld id="{5CCDA9E1-605A-4B27-B5C6-9CF658773012}" type="datetimeFigureOut">
               <a:rPr lang="ru-RU" smtClean="0"/>
-              <a:t>24.01.2022</a:t>
+              <a:t>02.02.2022</a:t>
             </a:fld>
             <a:endParaRPr lang="ru-RU"/>
           </a:p>
@@ -3147,8 +3150,8 @@
         </p:nvSpPr>
         <p:spPr>
           <a:xfrm>
-            <a:off x="283196" y="1381815"/>
-            <a:ext cx="8433421" cy="1600200"/>
+            <a:off x="1045029" y="1026367"/>
+            <a:ext cx="5928761" cy="704461"/>
           </a:xfrm>
         </p:spPr>
         <p:txBody>
@@ -3162,13 +3165,69 @@
                 </a:solidFill>
                 <a:latin typeface="Arial Black" panose="020B0A04020102020204" pitchFamily="34" charset="0"/>
               </a:rPr>
-              <a:t>Домики </a:t>
+              <a:t>Цель</a:t>
+            </a:r>
+            <a:endParaRPr lang="ru-RU" dirty="0">
+              <a:latin typeface="Arial Black" panose="020B0A04020102020204" pitchFamily="34" charset="0"/>
+            </a:endParaRPr>
+          </a:p>
+        </p:txBody>
+      </p:sp>
+      <p:sp>
+        <p:nvSpPr>
+          <p:cNvPr id="4" name="Заголовок 1"/>
+          <p:cNvSpPr txBox="1">
+            <a:spLocks/>
+          </p:cNvSpPr>
+          <p:nvPr/>
+        </p:nvSpPr>
+        <p:spPr>
+          <a:xfrm>
+            <a:off x="5349553" y="3438329"/>
+            <a:ext cx="5928761" cy="777569"/>
+          </a:xfrm>
+          <a:prstGeom prst="rect">
+            <a:avLst/>
+          </a:prstGeom>
+        </p:spPr>
+        <p:txBody>
+          <a:bodyPr vert="horz" lIns="91440" tIns="45720" rIns="91440" bIns="45720" rtlCol="0" anchor="b">
+            <a:normAutofit/>
+          </a:bodyPr>
+          <a:lstStyle>
+            <a:lvl1pPr algn="l" defTabSz="914400" rtl="0" eaLnBrk="1" latinLnBrk="0" hangingPunct="1">
+              <a:lnSpc>
+                <a:spcPct val="90000"/>
+              </a:lnSpc>
+              <a:spcBef>
+                <a:spcPct val="0"/>
+              </a:spcBef>
+              <a:buNone/>
+              <a:defRPr sz="3200" kern="1200">
+                <a:solidFill>
+                  <a:schemeClr val="tx1"/>
+                </a:solidFill>
+                <a:latin typeface="+mj-lt"/>
+                <a:ea typeface="+mj-ea"/>
+                <a:cs typeface="+mj-cs"/>
+              </a:defRPr>
+            </a:lvl1pPr>
+          </a:lstStyle>
+          <a:p>
+            <a:r>
+              <a:rPr lang="ru-RU" dirty="0" smtClean="0">
+                <a:solidFill>
+                  <a:srgbClr val="ABC357"/>
+                </a:solidFill>
+                <a:latin typeface="Arial Black" panose="020B0A04020102020204" pitchFamily="34" charset="0"/>
+              </a:rPr>
+              <a:t>Когда </a:t>
             </a:r>
             <a:r>
               <a:rPr lang="ru-RU" dirty="0" smtClean="0">
                 <a:latin typeface="Arial Black" panose="020B0A04020102020204" pitchFamily="34" charset="0"/>
               </a:rPr>
-              <a:t>в поселении</a:t>
+              <a:t>завершается игра</a:t>
             </a:r>
             <a:endParaRPr lang="ru-RU" dirty="0">
               <a:latin typeface="Arial Black" panose="020B0A04020102020204" pitchFamily="34" charset="0"/>
@@ -3176,159 +3235,87 @@
           </a:p>
         </p:txBody>
       </p:sp>
-      <p:pic>
-        <p:nvPicPr>
-          <p:cNvPr id="5" name="Объект 4"/>
-          <p:cNvPicPr>
-            <a:picLocks noGrp="1" noChangeAspect="1"/>
-          </p:cNvPicPr>
-          <p:nvPr>
-            <p:ph idx="1"/>
-          </p:nvPr>
-        </p:nvPicPr>
-        <p:blipFill>
-          <a:blip r:embed="rId2">
-            <a:extLst>
-              <a:ext uri="{28A0092B-C50C-407E-A947-70E740481C1C}">
-                <a14:useLocalDpi xmlns:a14="http://schemas.microsoft.com/office/drawing/2010/main" val="0"/>
-              </a:ext>
-            </a:extLst>
-          </a:blip>
-          <a:stretch>
-            <a:fillRect/>
-          </a:stretch>
-        </p:blipFill>
-        <p:spPr>
-          <a:xfrm>
-            <a:off x="1398070" y="579368"/>
-            <a:ext cx="1610139" cy="1610139"/>
-          </a:xfrm>
-        </p:spPr>
-      </p:pic>
-      <p:pic>
-        <p:nvPicPr>
-          <p:cNvPr id="6" name="Рисунок 5"/>
-          <p:cNvPicPr>
-            <a:picLocks noChangeAspect="1"/>
-          </p:cNvPicPr>
+      <p:sp>
+        <p:nvSpPr>
+          <p:cNvPr id="3" name="TextBox 2"/>
+          <p:cNvSpPr txBox="1"/>
           <p:nvPr/>
-        </p:nvPicPr>
-        <p:blipFill>
-          <a:blip r:embed="rId3">
-            <a:extLst>
-              <a:ext uri="{28A0092B-C50C-407E-A947-70E740481C1C}">
-                <a14:useLocalDpi xmlns:a14="http://schemas.microsoft.com/office/drawing/2010/main" val="0"/>
-              </a:ext>
-            </a:extLst>
-          </a:blip>
-          <a:stretch>
-            <a:fillRect/>
-          </a:stretch>
-        </p:blipFill>
-        <p:spPr>
-          <a:xfrm>
-            <a:off x="6023113" y="328406"/>
-            <a:ext cx="1639956" cy="1639956"/>
+        </p:nvSpPr>
+        <p:spPr>
+          <a:xfrm>
+            <a:off x="5349553" y="4441371"/>
+            <a:ext cx="7209452" cy="1200329"/>
           </a:xfrm>
           <a:prstGeom prst="rect">
             <a:avLst/>
           </a:prstGeom>
-        </p:spPr>
-      </p:pic>
-      <p:pic>
-        <p:nvPicPr>
-          <p:cNvPr id="7" name="Рисунок 6"/>
-          <p:cNvPicPr>
-            <a:picLocks noChangeAspect="1"/>
-          </p:cNvPicPr>
-          <p:nvPr/>
-        </p:nvPicPr>
-        <p:blipFill>
-          <a:blip r:embed="rId4">
-            <a:extLst>
-              <a:ext uri="{28A0092B-C50C-407E-A947-70E740481C1C}">
-                <a14:useLocalDpi xmlns:a14="http://schemas.microsoft.com/office/drawing/2010/main" val="0"/>
-              </a:ext>
-            </a:extLst>
-          </a:blip>
-          <a:stretch>
-            <a:fillRect/>
-          </a:stretch>
-        </p:blipFill>
-        <p:spPr>
-          <a:xfrm>
-            <a:off x="9406559" y="1299403"/>
-            <a:ext cx="2063198" cy="2063198"/>
-          </a:xfrm>
-          <a:prstGeom prst="rect">
-            <a:avLst/>
-          </a:prstGeom>
-        </p:spPr>
-      </p:pic>
-      <p:pic>
-        <p:nvPicPr>
-          <p:cNvPr id="8" name="Рисунок 7"/>
-          <p:cNvPicPr>
-            <a:picLocks noChangeAspect="1"/>
-          </p:cNvPicPr>
-          <p:nvPr/>
-        </p:nvPicPr>
-        <p:blipFill>
-          <a:blip r:embed="rId5">
-            <a:extLst>
-              <a:ext uri="{28A0092B-C50C-407E-A947-70E740481C1C}">
-                <a14:useLocalDpi xmlns:a14="http://schemas.microsoft.com/office/drawing/2010/main" val="0"/>
-              </a:ext>
-            </a:extLst>
-          </a:blip>
-          <a:stretch>
-            <a:fillRect/>
-          </a:stretch>
-        </p:blipFill>
-        <p:spPr>
-          <a:xfrm>
-            <a:off x="1594402" y="3784462"/>
-            <a:ext cx="2132772" cy="2132772"/>
-          </a:xfrm>
-          <a:prstGeom prst="rect">
-            <a:avLst/>
-          </a:prstGeom>
-        </p:spPr>
-      </p:pic>
-      <p:pic>
-        <p:nvPicPr>
-          <p:cNvPr id="9" name="Рисунок 8"/>
-          <p:cNvPicPr>
-            <a:picLocks noChangeAspect="1"/>
-          </p:cNvPicPr>
-          <p:nvPr/>
-        </p:nvPicPr>
-        <p:blipFill>
-          <a:blip r:embed="rId6">
-            <a:extLst>
-              <a:ext uri="{28A0092B-C50C-407E-A947-70E740481C1C}">
-                <a14:useLocalDpi xmlns:a14="http://schemas.microsoft.com/office/drawing/2010/main" val="0"/>
-              </a:ext>
-            </a:extLst>
-          </a:blip>
-          <a:stretch>
-            <a:fillRect/>
-          </a:stretch>
-        </p:blipFill>
-        <p:spPr>
-          <a:xfrm>
-            <a:off x="6782629" y="3637722"/>
-            <a:ext cx="2623930" cy="2623930"/>
-          </a:xfrm>
-          <a:prstGeom prst="rect">
-            <a:avLst/>
-          </a:prstGeom>
-        </p:spPr>
-      </p:pic>
+          <a:noFill/>
+        </p:spPr>
+        <p:txBody>
+          <a:bodyPr wrap="square" rtlCol="0">
+            <a:spAutoFit/>
+          </a:bodyPr>
+          <a:lstStyle/>
+          <a:p>
+            <a:pPr>
+              <a:lnSpc>
+                <a:spcPct val="150000"/>
+              </a:lnSpc>
+            </a:pPr>
+            <a:r>
+              <a:rPr lang="ru-RU" dirty="0">
+                <a:latin typeface="Arial Black" panose="020B0A04020102020204" pitchFamily="34" charset="0"/>
+              </a:rPr>
+              <a:t>игра завершается, когда на последнем уровне достигается нужное количество монет</a:t>
+            </a:r>
+          </a:p>
+          <a:p>
+            <a:endParaRPr lang="ru-RU" dirty="0"/>
+          </a:p>
+        </p:txBody>
+      </p:sp>
+      <p:sp>
+        <p:nvSpPr>
+          <p:cNvPr id="6" name="Объект 5"/>
+          <p:cNvSpPr>
+            <a:spLocks noGrp="1"/>
+          </p:cNvSpPr>
+          <p:nvPr>
+            <p:ph idx="1"/>
+          </p:nvPr>
+        </p:nvSpPr>
+        <p:spPr>
+          <a:xfrm>
+            <a:off x="1045029" y="1877744"/>
+            <a:ext cx="6172200" cy="1413669"/>
+          </a:xfrm>
+        </p:spPr>
+        <p:txBody>
+          <a:bodyPr/>
+          <a:lstStyle/>
+          <a:p>
+            <a:pPr marL="0" indent="0">
+              <a:lnSpc>
+                <a:spcPct val="150000"/>
+              </a:lnSpc>
+              <a:buNone/>
+            </a:pPr>
+            <a:r>
+              <a:rPr lang="ru-RU" sz="1800" dirty="0">
+                <a:latin typeface="Arial Black" panose="020B0A04020102020204" pitchFamily="34" charset="0"/>
+              </a:rPr>
+              <a:t>заработать определенную сумму монет, для перехода на новый уровень и в последствии завершения игры.</a:t>
+            </a:r>
+          </a:p>
+          <a:p>
+            <a:endParaRPr lang="ru-RU" dirty="0"/>
+          </a:p>
+        </p:txBody>
+      </p:sp>
     </p:spTree>
     <p:extLst>
       <p:ext uri="{BB962C8B-B14F-4D97-AF65-F5344CB8AC3E}">
-        <p14:creationId xmlns:p14="http://schemas.microsoft.com/office/powerpoint/2010/main" val="3361282127"/>
+        <p14:creationId xmlns:p14="http://schemas.microsoft.com/office/powerpoint/2010/main" val="3389665465"/>
       </p:ext>
     </p:extLst>
   </p:cSld>
@@ -3382,8 +3369,8 @@
         </p:nvSpPr>
         <p:spPr>
           <a:xfrm>
-            <a:off x="283196" y="1381815"/>
-            <a:ext cx="5928761" cy="1600200"/>
+            <a:off x="127812" y="139959"/>
+            <a:ext cx="5928761" cy="602709"/>
           </a:xfrm>
         </p:spPr>
         <p:txBody>
@@ -3397,13 +3384,13 @@
                 </a:solidFill>
                 <a:latin typeface="Arial Black" panose="020B0A04020102020204" pitchFamily="34" charset="0"/>
               </a:rPr>
-              <a:t>Блоки</a:t>
+              <a:t>Главный</a:t>
             </a:r>
             <a:r>
               <a:rPr lang="ru-RU" dirty="0" smtClean="0">
                 <a:latin typeface="Arial Black" panose="020B0A04020102020204" pitchFamily="34" charset="0"/>
               </a:rPr>
-              <a:t>, на которых стоит поселение</a:t>
+              <a:t> персонаж</a:t>
             </a:r>
             <a:endParaRPr lang="ru-RU" dirty="0">
               <a:latin typeface="Arial Black" panose="020B0A04020102020204" pitchFamily="34" charset="0"/>
@@ -3413,17 +3400,24 @@
       </p:sp>
       <p:pic>
         <p:nvPicPr>
-          <p:cNvPr id="10" name="Объект 9"/>
+          <p:cNvPr id="3" name="Рисунок 2"/>
           <p:cNvPicPr>
-            <a:picLocks noGrp="1" noChangeAspect="1"/>
+            <a:picLocks noChangeAspect="1"/>
           </p:cNvPicPr>
-          <p:nvPr>
-            <p:ph idx="1"/>
-          </p:nvPr>
+          <p:nvPr/>
         </p:nvPicPr>
         <p:blipFill>
           <a:blip r:embed="rId2">
             <a:extLst>
+              <a:ext uri="{BEBA8EAE-BF5A-486C-A8C5-ECC9F3942E4B}">
+                <a14:imgProps xmlns:a14="http://schemas.microsoft.com/office/drawing/2010/main">
+                  <a14:imgLayer r:embed="rId3">
+                    <a14:imgEffect>
+                      <a14:backgroundRemoval t="1955" b="100000" l="0" r="100000"/>
+                    </a14:imgEffect>
+                  </a14:imgLayer>
+                </a14:imgProps>
+              </a:ext>
               <a:ext uri="{28A0092B-C50C-407E-A947-70E740481C1C}">
                 <a14:useLocalDpi xmlns:a14="http://schemas.microsoft.com/office/drawing/2010/main" val="0"/>
               </a:ext>
@@ -3435,15 +3429,95 @@
         </p:blipFill>
         <p:spPr>
           <a:xfrm>
-            <a:off x="6629401" y="339793"/>
-            <a:ext cx="4959626" cy="6447514"/>
-          </a:xfrm>
+            <a:off x="531289" y="1272024"/>
+            <a:ext cx="3322608" cy="2728196"/>
+          </a:xfrm>
+          <a:prstGeom prst="rect">
+            <a:avLst/>
+          </a:prstGeom>
+        </p:spPr>
+      </p:pic>
+      <p:pic>
+        <p:nvPicPr>
+          <p:cNvPr id="5" name="Объект 4"/>
+          <p:cNvPicPr>
+            <a:picLocks noGrp="1" noChangeAspect="1"/>
+          </p:cNvPicPr>
+          <p:nvPr>
+            <p:ph idx="1"/>
+          </p:nvPr>
+        </p:nvPicPr>
+        <p:blipFill>
+          <a:blip r:embed="rId4">
+            <a:extLst>
+              <a:ext uri="{BEBA8EAE-BF5A-486C-A8C5-ECC9F3942E4B}">
+                <a14:imgProps xmlns:a14="http://schemas.microsoft.com/office/drawing/2010/main">
+                  <a14:imgLayer r:embed="rId5">
+                    <a14:imgEffect>
+                      <a14:backgroundRemoval t="0" b="100000" l="0" r="100000"/>
+                    </a14:imgEffect>
+                  </a14:imgLayer>
+                </a14:imgProps>
+              </a:ext>
+              <a:ext uri="{28A0092B-C50C-407E-A947-70E740481C1C}">
+                <a14:useLocalDpi xmlns:a14="http://schemas.microsoft.com/office/drawing/2010/main" val="0"/>
+              </a:ext>
+            </a:extLst>
+          </a:blip>
+          <a:stretch>
+            <a:fillRect/>
+          </a:stretch>
+        </p:blipFill>
+        <p:spPr>
+          <a:xfrm>
+            <a:off x="4547930" y="2932047"/>
+            <a:ext cx="3017286" cy="3051888"/>
+          </a:xfrm>
+        </p:spPr>
+      </p:pic>
+      <p:pic>
+        <p:nvPicPr>
+          <p:cNvPr id="6" name="Рисунок 5"/>
+          <p:cNvPicPr>
+            <a:picLocks noChangeAspect="1"/>
+          </p:cNvPicPr>
+          <p:nvPr/>
+        </p:nvPicPr>
+        <p:blipFill>
+          <a:blip r:embed="rId6">
+            <a:extLst>
+              <a:ext uri="{BEBA8EAE-BF5A-486C-A8C5-ECC9F3942E4B}">
+                <a14:imgProps xmlns:a14="http://schemas.microsoft.com/office/drawing/2010/main">
+                  <a14:imgLayer r:embed="rId7">
+                    <a14:imgEffect>
+                      <a14:backgroundRemoval t="0" b="99169" l="0" r="100000"/>
+                    </a14:imgEffect>
+                  </a14:imgLayer>
+                </a14:imgProps>
+              </a:ext>
+              <a:ext uri="{28A0092B-C50C-407E-A947-70E740481C1C}">
+                <a14:useLocalDpi xmlns:a14="http://schemas.microsoft.com/office/drawing/2010/main" val="0"/>
+              </a:ext>
+            </a:extLst>
+          </a:blip>
+          <a:stretch>
+            <a:fillRect/>
+          </a:stretch>
+        </p:blipFill>
+        <p:spPr>
+          <a:xfrm>
+            <a:off x="8259249" y="1856793"/>
+            <a:ext cx="3333124" cy="2722303"/>
+          </a:xfrm>
+          <a:prstGeom prst="rect">
+            <a:avLst/>
+          </a:prstGeom>
         </p:spPr>
       </p:pic>
     </p:spTree>
     <p:extLst>
       <p:ext uri="{BB962C8B-B14F-4D97-AF65-F5344CB8AC3E}">
-        <p14:creationId xmlns:p14="http://schemas.microsoft.com/office/powerpoint/2010/main" val="476793088"/>
+        <p14:creationId xmlns:p14="http://schemas.microsoft.com/office/powerpoint/2010/main" val="2768521086"/>
       </p:ext>
     </p:extLst>
   </p:cSld>
@@ -3497,8 +3571,8 @@
         </p:nvSpPr>
         <p:spPr>
           <a:xfrm>
-            <a:off x="283196" y="1381815"/>
-            <a:ext cx="5928761" cy="1600200"/>
+            <a:off x="0" y="0"/>
+            <a:ext cx="7470543" cy="947942"/>
           </a:xfrm>
         </p:spPr>
         <p:txBody>
@@ -3512,7 +3586,7 @@
                 </a:solidFill>
                 <a:latin typeface="Arial Black" panose="020B0A04020102020204" pitchFamily="34" charset="0"/>
               </a:rPr>
-              <a:t>Главный</a:t>
+              <a:t>Дополнительный</a:t>
             </a:r>
             <a:r>
               <a:rPr lang="ru-RU" dirty="0" smtClean="0">
@@ -3528,7 +3602,7 @@
       </p:sp>
       <p:pic>
         <p:nvPicPr>
-          <p:cNvPr id="7" name="Объект 6"/>
+          <p:cNvPr id="6" name="Объект 5"/>
           <p:cNvPicPr>
             <a:picLocks noGrp="1" noChangeAspect="1"/>
           </p:cNvPicPr>
@@ -3539,6 +3613,15 @@
         <p:blipFill>
           <a:blip r:embed="rId2">
             <a:extLst>
+              <a:ext uri="{BEBA8EAE-BF5A-486C-A8C5-ECC9F3942E4B}">
+                <a14:imgProps xmlns:a14="http://schemas.microsoft.com/office/drawing/2010/main">
+                  <a14:imgLayer r:embed="rId3">
+                    <a14:imgEffect>
+                      <a14:backgroundRemoval t="0" b="100000" l="0" r="100000"/>
+                    </a14:imgEffect>
+                  </a14:imgLayer>
+                </a14:imgProps>
+              </a:ext>
               <a:ext uri="{28A0092B-C50C-407E-A947-70E740481C1C}">
                 <a14:useLocalDpi xmlns:a14="http://schemas.microsoft.com/office/drawing/2010/main" val="0"/>
               </a:ext>
@@ -3550,15 +3633,15 @@
         </p:blipFill>
         <p:spPr>
           <a:xfrm>
-            <a:off x="5825320" y="824467"/>
-            <a:ext cx="5219282" cy="5219282"/>
+            <a:off x="11320181" y="2366194"/>
+            <a:ext cx="3773285" cy="3348806"/>
           </a:xfrm>
         </p:spPr>
       </p:pic>
     </p:spTree>
     <p:extLst>
       <p:ext uri="{BB962C8B-B14F-4D97-AF65-F5344CB8AC3E}">
-        <p14:creationId xmlns:p14="http://schemas.microsoft.com/office/powerpoint/2010/main" val="2768521086"/>
+        <p14:creationId xmlns:p14="http://schemas.microsoft.com/office/powerpoint/2010/main" val="3079062759"/>
       </p:ext>
     </p:extLst>
   </p:cSld>
@@ -3568,7 +3651,73 @@
   <p:timing>
     <p:tnLst>
       <p:par>
-        <p:cTn id="1" dur="indefinite" restart="never" nodeType="tmRoot"/>
+        <p:cTn id="1" dur="indefinite" restart="never" nodeType="tmRoot">
+          <p:childTnLst>
+            <p:seq concurrent="1" nextAc="seek">
+              <p:cTn id="2" dur="indefinite" nodeType="mainSeq">
+                <p:childTnLst>
+                  <p:par>
+                    <p:cTn id="3" fill="hold">
+                      <p:stCondLst>
+                        <p:cond delay="indefinite"/>
+                        <p:cond evt="onBegin" delay="0">
+                          <p:tn val="2"/>
+                        </p:cond>
+                      </p:stCondLst>
+                      <p:childTnLst>
+                        <p:par>
+                          <p:cTn id="4" fill="hold">
+                            <p:stCondLst>
+                              <p:cond delay="0"/>
+                            </p:stCondLst>
+                            <p:childTnLst>
+                              <p:par>
+                                <p:cTn id="5" presetID="42" presetClass="path" presetSubtype="0" accel="50000" decel="50000" fill="hold" nodeType="afterEffect">
+                                  <p:stCondLst>
+                                    <p:cond delay="0"/>
+                                  </p:stCondLst>
+                                  <p:childTnLst>
+                                    <p:animMotion origin="layout" path="M 0.70886 -0.02639 L -0.47044 -0.03079 " pathEditMode="relative" rAng="0" ptsTypes="AA">
+                                      <p:cBhvr>
+                                        <p:cTn id="6" dur="5500" fill="hold"/>
+                                        <p:tgtEl>
+                                          <p:spTgt spid="6"/>
+                                        </p:tgtEl>
+                                        <p:attrNameLst>
+                                          <p:attrName>ppt_x</p:attrName>
+                                          <p:attrName>ppt_y</p:attrName>
+                                        </p:attrNameLst>
+                                      </p:cBhvr>
+                                      <p:rCtr x="-58971" y="-231"/>
+                                    </p:animMotion>
+                                  </p:childTnLst>
+                                </p:cTn>
+                              </p:par>
+                            </p:childTnLst>
+                          </p:cTn>
+                        </p:par>
+                      </p:childTnLst>
+                    </p:cTn>
+                  </p:par>
+                </p:childTnLst>
+              </p:cTn>
+              <p:prevCondLst>
+                <p:cond evt="onPrev" delay="0">
+                  <p:tgtEl>
+                    <p:sldTgt/>
+                  </p:tgtEl>
+                </p:cond>
+              </p:prevCondLst>
+              <p:nextCondLst>
+                <p:cond evt="onNext" delay="0">
+                  <p:tgtEl>
+                    <p:sldTgt/>
+                  </p:tgtEl>
+                </p:cond>
+              </p:nextCondLst>
+            </p:seq>
+          </p:childTnLst>
+        </p:cTn>
       </p:par>
     </p:tnLst>
   </p:timing>
@@ -3613,7 +3762,7 @@
         <p:spPr>
           <a:xfrm>
             <a:off x="283196" y="1381815"/>
-            <a:ext cx="5928761" cy="1600200"/>
+            <a:ext cx="8433421" cy="1600200"/>
           </a:xfrm>
         </p:spPr>
         <p:txBody>
@@ -3627,13 +3776,13 @@
                 </a:solidFill>
                 <a:latin typeface="Arial Black" panose="020B0A04020102020204" pitchFamily="34" charset="0"/>
               </a:rPr>
-              <a:t>Дополнительный</a:t>
+              <a:t>Домики </a:t>
             </a:r>
             <a:r>
               <a:rPr lang="ru-RU" dirty="0" smtClean="0">
                 <a:latin typeface="Arial Black" panose="020B0A04020102020204" pitchFamily="34" charset="0"/>
               </a:rPr>
-              <a:t> персонаж</a:t>
+              <a:t>в поселении</a:t>
             </a:r>
             <a:endParaRPr lang="ru-RU" dirty="0">
               <a:latin typeface="Arial Black" panose="020B0A04020102020204" pitchFamily="34" charset="0"/>
@@ -3643,7 +3792,7 @@
       </p:sp>
       <p:pic>
         <p:nvPicPr>
-          <p:cNvPr id="4" name="Объект 3"/>
+          <p:cNvPr id="5" name="Объект 4"/>
           <p:cNvPicPr>
             <a:picLocks noGrp="1" noChangeAspect="1"/>
           </p:cNvPicPr>
@@ -3665,15 +3814,135 @@
         </p:blipFill>
         <p:spPr>
           <a:xfrm>
-            <a:off x="5704114" y="1043258"/>
-            <a:ext cx="5044691" cy="5044691"/>
-          </a:xfrm>
+            <a:off x="1398070" y="579368"/>
+            <a:ext cx="1610139" cy="1610139"/>
+          </a:xfrm>
+        </p:spPr>
+      </p:pic>
+      <p:pic>
+        <p:nvPicPr>
+          <p:cNvPr id="6" name="Рисунок 5"/>
+          <p:cNvPicPr>
+            <a:picLocks noChangeAspect="1"/>
+          </p:cNvPicPr>
+          <p:nvPr/>
+        </p:nvPicPr>
+        <p:blipFill>
+          <a:blip r:embed="rId3">
+            <a:extLst>
+              <a:ext uri="{28A0092B-C50C-407E-A947-70E740481C1C}">
+                <a14:useLocalDpi xmlns:a14="http://schemas.microsoft.com/office/drawing/2010/main" val="0"/>
+              </a:ext>
+            </a:extLst>
+          </a:blip>
+          <a:stretch>
+            <a:fillRect/>
+          </a:stretch>
+        </p:blipFill>
+        <p:spPr>
+          <a:xfrm>
+            <a:off x="6023113" y="328406"/>
+            <a:ext cx="1639956" cy="1639956"/>
+          </a:xfrm>
+          <a:prstGeom prst="rect">
+            <a:avLst/>
+          </a:prstGeom>
+        </p:spPr>
+      </p:pic>
+      <p:pic>
+        <p:nvPicPr>
+          <p:cNvPr id="7" name="Рисунок 6"/>
+          <p:cNvPicPr>
+            <a:picLocks noChangeAspect="1"/>
+          </p:cNvPicPr>
+          <p:nvPr/>
+        </p:nvPicPr>
+        <p:blipFill>
+          <a:blip r:embed="rId4">
+            <a:extLst>
+              <a:ext uri="{28A0092B-C50C-407E-A947-70E740481C1C}">
+                <a14:useLocalDpi xmlns:a14="http://schemas.microsoft.com/office/drawing/2010/main" val="0"/>
+              </a:ext>
+            </a:extLst>
+          </a:blip>
+          <a:stretch>
+            <a:fillRect/>
+          </a:stretch>
+        </p:blipFill>
+        <p:spPr>
+          <a:xfrm>
+            <a:off x="9406559" y="1299403"/>
+            <a:ext cx="2063198" cy="2063198"/>
+          </a:xfrm>
+          <a:prstGeom prst="rect">
+            <a:avLst/>
+          </a:prstGeom>
+        </p:spPr>
+      </p:pic>
+      <p:pic>
+        <p:nvPicPr>
+          <p:cNvPr id="8" name="Рисунок 7"/>
+          <p:cNvPicPr>
+            <a:picLocks noChangeAspect="1"/>
+          </p:cNvPicPr>
+          <p:nvPr/>
+        </p:nvPicPr>
+        <p:blipFill>
+          <a:blip r:embed="rId5">
+            <a:extLst>
+              <a:ext uri="{28A0092B-C50C-407E-A947-70E740481C1C}">
+                <a14:useLocalDpi xmlns:a14="http://schemas.microsoft.com/office/drawing/2010/main" val="0"/>
+              </a:ext>
+            </a:extLst>
+          </a:blip>
+          <a:stretch>
+            <a:fillRect/>
+          </a:stretch>
+        </p:blipFill>
+        <p:spPr>
+          <a:xfrm>
+            <a:off x="1594402" y="3784462"/>
+            <a:ext cx="2132772" cy="2132772"/>
+          </a:xfrm>
+          <a:prstGeom prst="rect">
+            <a:avLst/>
+          </a:prstGeom>
+        </p:spPr>
+      </p:pic>
+      <p:pic>
+        <p:nvPicPr>
+          <p:cNvPr id="9" name="Рисунок 8"/>
+          <p:cNvPicPr>
+            <a:picLocks noChangeAspect="1"/>
+          </p:cNvPicPr>
+          <p:nvPr/>
+        </p:nvPicPr>
+        <p:blipFill>
+          <a:blip r:embed="rId6">
+            <a:extLst>
+              <a:ext uri="{28A0092B-C50C-407E-A947-70E740481C1C}">
+                <a14:useLocalDpi xmlns:a14="http://schemas.microsoft.com/office/drawing/2010/main" val="0"/>
+              </a:ext>
+            </a:extLst>
+          </a:blip>
+          <a:stretch>
+            <a:fillRect/>
+          </a:stretch>
+        </p:blipFill>
+        <p:spPr>
+          <a:xfrm>
+            <a:off x="6782629" y="3637722"/>
+            <a:ext cx="2623930" cy="2623930"/>
+          </a:xfrm>
+          <a:prstGeom prst="rect">
+            <a:avLst/>
+          </a:prstGeom>
         </p:spPr>
       </p:pic>
     </p:spTree>
     <p:extLst>
       <p:ext uri="{BB962C8B-B14F-4D97-AF65-F5344CB8AC3E}">
-        <p14:creationId xmlns:p14="http://schemas.microsoft.com/office/powerpoint/2010/main" val="3079062759"/>
+        <p14:creationId xmlns:p14="http://schemas.microsoft.com/office/powerpoint/2010/main" val="2002088640"/>
       </p:ext>
     </p:extLst>
   </p:cSld>
@@ -3742,7 +4011,19 @@
                 </a:solidFill>
                 <a:latin typeface="Arial Black" panose="020B0A04020102020204" pitchFamily="34" charset="0"/>
               </a:rPr>
-              <a:t>Валюта</a:t>
+              <a:t>Блоки</a:t>
+            </a:r>
+            <a:r>
+              <a:rPr lang="ru-RU" dirty="0" smtClean="0">
+                <a:latin typeface="Arial Black" panose="020B0A04020102020204" pitchFamily="34" charset="0"/>
+              </a:rPr>
+              <a:t>, </a:t>
+            </a:r>
+            <a:r>
+              <a:rPr lang="ru-RU" dirty="0" smtClean="0">
+                <a:latin typeface="Arial Black" panose="020B0A04020102020204" pitchFamily="34" charset="0"/>
+              </a:rPr>
+              <a:t>которые образуют остров</a:t>
             </a:r>
             <a:endParaRPr lang="ru-RU" dirty="0">
               <a:latin typeface="Arial Black" panose="020B0A04020102020204" pitchFamily="34" charset="0"/>
@@ -3752,7 +4033,7 @@
       </p:sp>
       <p:pic>
         <p:nvPicPr>
-          <p:cNvPr id="5" name="Объект 4"/>
+          <p:cNvPr id="10" name="Объект 9"/>
           <p:cNvPicPr>
             <a:picLocks noGrp="1" noChangeAspect="1"/>
           </p:cNvPicPr>
@@ -3774,15 +4055,760 @@
         </p:blipFill>
         <p:spPr>
           <a:xfrm>
-            <a:off x="6100196" y="1920569"/>
-            <a:ext cx="3575312" cy="3575312"/>
+            <a:off x="6629401" y="339793"/>
+            <a:ext cx="4959626" cy="6447514"/>
           </a:xfrm>
         </p:spPr>
       </p:pic>
     </p:spTree>
     <p:extLst>
       <p:ext uri="{BB962C8B-B14F-4D97-AF65-F5344CB8AC3E}">
+        <p14:creationId xmlns:p14="http://schemas.microsoft.com/office/powerpoint/2010/main" val="476793088"/>
+      </p:ext>
+    </p:extLst>
+  </p:cSld>
+  <p:clrMapOvr>
+    <a:masterClrMapping/>
+  </p:clrMapOvr>
+  <p:timing>
+    <p:tnLst>
+      <p:par>
+        <p:cTn id="1" dur="indefinite" restart="never" nodeType="tmRoot"/>
+      </p:par>
+    </p:tnLst>
+  </p:timing>
+</p:sld>
+</file>
+
+<file path=ppt/slides/slide7.xml><?xml version="1.0" encoding="utf-8"?>
+<p:sld xmlns:a="http://schemas.openxmlformats.org/drawingml/2006/main" xmlns:r="http://schemas.openxmlformats.org/officeDocument/2006/relationships" xmlns:p="http://schemas.openxmlformats.org/presentationml/2006/main">
+  <p:cSld>
+    <p:bg>
+      <p:bgPr>
+        <a:solidFill>
+          <a:srgbClr val="FFF8E7"/>
+        </a:solidFill>
+        <a:effectLst/>
+      </p:bgPr>
+    </p:bg>
+    <p:spTree>
+      <p:nvGrpSpPr>
+        <p:cNvPr id="1" name=""/>
+        <p:cNvGrpSpPr/>
+        <p:nvPr/>
+      </p:nvGrpSpPr>
+      <p:grpSpPr>
+        <a:xfrm>
+          <a:off x="0" y="0"/>
+          <a:ext cx="0" cy="0"/>
+          <a:chOff x="0" y="0"/>
+          <a:chExt cx="0" cy="0"/>
+        </a:xfrm>
+      </p:grpSpPr>
+      <p:sp>
+        <p:nvSpPr>
+          <p:cNvPr id="2" name="Заголовок 1"/>
+          <p:cNvSpPr>
+            <a:spLocks noGrp="1"/>
+          </p:cNvSpPr>
+          <p:nvPr>
+            <p:ph type="title"/>
+          </p:nvPr>
+        </p:nvSpPr>
+        <p:spPr>
+          <a:xfrm>
+            <a:off x="1045029" y="1026367"/>
+            <a:ext cx="5928761" cy="704461"/>
+          </a:xfrm>
+        </p:spPr>
+        <p:txBody>
+          <a:bodyPr/>
+          <a:lstStyle/>
+          <a:p>
+            <a:r>
+              <a:rPr lang="ru-RU" dirty="0" smtClean="0">
+                <a:solidFill>
+                  <a:srgbClr val="ABC357"/>
+                </a:solidFill>
+                <a:latin typeface="Arial Black" panose="020B0A04020102020204" pitchFamily="34" charset="0"/>
+              </a:rPr>
+              <a:t>Валюта</a:t>
+            </a:r>
+            <a:endParaRPr lang="ru-RU" dirty="0">
+              <a:latin typeface="Arial Black" panose="020B0A04020102020204" pitchFamily="34" charset="0"/>
+            </a:endParaRPr>
+          </a:p>
+        </p:txBody>
+      </p:sp>
+      <p:pic>
+        <p:nvPicPr>
+          <p:cNvPr id="5" name="Объект 4"/>
+          <p:cNvPicPr>
+            <a:picLocks noGrp="1" noChangeAspect="1"/>
+          </p:cNvPicPr>
+          <p:nvPr>
+            <p:ph idx="1"/>
+          </p:nvPr>
+        </p:nvPicPr>
+        <p:blipFill>
+          <a:blip r:embed="rId2">
+            <a:extLst>
+              <a:ext uri="{BEBA8EAE-BF5A-486C-A8C5-ECC9F3942E4B}">
+                <a14:imgProps xmlns:a14="http://schemas.microsoft.com/office/drawing/2010/main">
+                  <a14:imgLayer r:embed="rId3">
+                    <a14:imgEffect>
+                      <a14:backgroundRemoval t="0" b="100000" l="0" r="100000"/>
+                    </a14:imgEffect>
+                  </a14:imgLayer>
+                </a14:imgProps>
+              </a:ext>
+              <a:ext uri="{28A0092B-C50C-407E-A947-70E740481C1C}">
+                <a14:useLocalDpi xmlns:a14="http://schemas.microsoft.com/office/drawing/2010/main" val="0"/>
+              </a:ext>
+            </a:extLst>
+          </a:blip>
+          <a:stretch>
+            <a:fillRect/>
+          </a:stretch>
+        </p:blipFill>
+        <p:spPr>
+          <a:xfrm>
+            <a:off x="1045029" y="1600200"/>
+            <a:ext cx="2484173" cy="2484173"/>
+          </a:xfrm>
+        </p:spPr>
+      </p:pic>
+      <p:sp>
+        <p:nvSpPr>
+          <p:cNvPr id="4" name="Заголовок 1"/>
+          <p:cNvSpPr txBox="1">
+            <a:spLocks/>
+          </p:cNvSpPr>
+          <p:nvPr/>
+        </p:nvSpPr>
+        <p:spPr>
+          <a:xfrm>
+            <a:off x="5601479" y="2584579"/>
+            <a:ext cx="5928761" cy="777569"/>
+          </a:xfrm>
+          <a:prstGeom prst="rect">
+            <a:avLst/>
+          </a:prstGeom>
+        </p:spPr>
+        <p:txBody>
+          <a:bodyPr vert="horz" lIns="91440" tIns="45720" rIns="91440" bIns="45720" rtlCol="0" anchor="b">
+            <a:normAutofit/>
+          </a:bodyPr>
+          <a:lstStyle>
+            <a:lvl1pPr algn="l" defTabSz="914400" rtl="0" eaLnBrk="1" latinLnBrk="0" hangingPunct="1">
+              <a:lnSpc>
+                <a:spcPct val="90000"/>
+              </a:lnSpc>
+              <a:spcBef>
+                <a:spcPct val="0"/>
+              </a:spcBef>
+              <a:buNone/>
+              <a:defRPr sz="3200" kern="1200">
+                <a:solidFill>
+                  <a:schemeClr val="tx1"/>
+                </a:solidFill>
+                <a:latin typeface="+mj-lt"/>
+                <a:ea typeface="+mj-ea"/>
+                <a:cs typeface="+mj-cs"/>
+              </a:defRPr>
+            </a:lvl1pPr>
+          </a:lstStyle>
+          <a:p>
+            <a:r>
+              <a:rPr lang="ru-RU" dirty="0" smtClean="0">
+                <a:solidFill>
+                  <a:srgbClr val="ABC357"/>
+                </a:solidFill>
+                <a:latin typeface="Arial Black" panose="020B0A04020102020204" pitchFamily="34" charset="0"/>
+              </a:rPr>
+              <a:t>Способы </a:t>
+            </a:r>
+            <a:r>
+              <a:rPr lang="ru-RU" dirty="0" smtClean="0">
+                <a:latin typeface="Arial Black" panose="020B0A04020102020204" pitchFamily="34" charset="0"/>
+              </a:rPr>
+              <a:t>заработка</a:t>
+            </a:r>
+            <a:endParaRPr lang="ru-RU" dirty="0">
+              <a:latin typeface="Arial Black" panose="020B0A04020102020204" pitchFamily="34" charset="0"/>
+            </a:endParaRPr>
+          </a:p>
+        </p:txBody>
+      </p:sp>
+      <p:sp>
+        <p:nvSpPr>
+          <p:cNvPr id="3" name="TextBox 2"/>
+          <p:cNvSpPr txBox="1"/>
+          <p:nvPr/>
+        </p:nvSpPr>
+        <p:spPr>
+          <a:xfrm>
+            <a:off x="5601479" y="3545633"/>
+            <a:ext cx="6186196" cy="2446824"/>
+          </a:xfrm>
+          <a:prstGeom prst="rect">
+            <a:avLst/>
+          </a:prstGeom>
+          <a:noFill/>
+        </p:spPr>
+        <p:txBody>
+          <a:bodyPr wrap="square" rtlCol="0">
+            <a:spAutoFit/>
+          </a:bodyPr>
+          <a:lstStyle/>
+          <a:p>
+            <a:pPr marL="285750" lvl="0" indent="-285750">
+              <a:lnSpc>
+                <a:spcPct val="150000"/>
+              </a:lnSpc>
+              <a:buFont typeface="Arial" panose="020B0604020202020204" pitchFamily="34" charset="0"/>
+              <a:buChar char="•"/>
+            </a:pPr>
+            <a:r>
+              <a:rPr lang="ru-RU" dirty="0">
+                <a:latin typeface="Arial Black" panose="020B0A04020102020204" pitchFamily="34" charset="0"/>
+              </a:rPr>
+              <a:t>Сбор кристаллов </a:t>
+            </a:r>
+          </a:p>
+          <a:p>
+            <a:pPr marL="285750" lvl="0" indent="-285750">
+              <a:lnSpc>
+                <a:spcPct val="150000"/>
+              </a:lnSpc>
+              <a:buFont typeface="Arial" panose="020B0604020202020204" pitchFamily="34" charset="0"/>
+              <a:buChar char="•"/>
+            </a:pPr>
+            <a:r>
+              <a:rPr lang="ru-RU" dirty="0">
+                <a:latin typeface="Arial Black" panose="020B0A04020102020204" pitchFamily="34" charset="0"/>
+              </a:rPr>
+              <a:t>Разрушение предметов</a:t>
+            </a:r>
+          </a:p>
+          <a:p>
+            <a:pPr marL="285750" lvl="0" indent="-285750">
+              <a:lnSpc>
+                <a:spcPct val="150000"/>
+              </a:lnSpc>
+              <a:buFont typeface="Arial" panose="020B0604020202020204" pitchFamily="34" charset="0"/>
+              <a:buChar char="•"/>
+            </a:pPr>
+            <a:r>
+              <a:rPr lang="ru-RU" dirty="0">
+                <a:latin typeface="Arial Black" panose="020B0A04020102020204" pitchFamily="34" charset="0"/>
+              </a:rPr>
+              <a:t>Покупка домов, которые зарабатывают монетки</a:t>
+            </a:r>
+          </a:p>
+          <a:p>
+            <a:pPr marL="285750" lvl="0" indent="-285750">
+              <a:lnSpc>
+                <a:spcPct val="150000"/>
+              </a:lnSpc>
+              <a:buFont typeface="Arial" panose="020B0604020202020204" pitchFamily="34" charset="0"/>
+              <a:buChar char="•"/>
+            </a:pPr>
+            <a:r>
+              <a:rPr lang="ru-RU" dirty="0">
+                <a:latin typeface="Arial Black" panose="020B0A04020102020204" pitchFamily="34" charset="0"/>
+              </a:rPr>
+              <a:t>Выполнение заданий от кота</a:t>
+            </a:r>
+          </a:p>
+          <a:p>
+            <a:endParaRPr lang="ru-RU" dirty="0"/>
+          </a:p>
+        </p:txBody>
+      </p:sp>
+    </p:spTree>
+    <p:extLst>
+      <p:ext uri="{BB962C8B-B14F-4D97-AF65-F5344CB8AC3E}">
         <p14:creationId xmlns:p14="http://schemas.microsoft.com/office/powerpoint/2010/main" val="1276670953"/>
+      </p:ext>
+    </p:extLst>
+  </p:cSld>
+  <p:clrMapOvr>
+    <a:masterClrMapping/>
+  </p:clrMapOvr>
+  <p:timing>
+    <p:tnLst>
+      <p:par>
+        <p:cTn id="1" dur="indefinite" restart="never" nodeType="tmRoot"/>
+      </p:par>
+    </p:tnLst>
+  </p:timing>
+</p:sld>
+</file>
+
+<file path=ppt/slides/slide8.xml><?xml version="1.0" encoding="utf-8"?>
+<p:sld xmlns:a="http://schemas.openxmlformats.org/drawingml/2006/main" xmlns:r="http://schemas.openxmlformats.org/officeDocument/2006/relationships" xmlns:p="http://schemas.openxmlformats.org/presentationml/2006/main">
+  <p:cSld>
+    <p:bg>
+      <p:bgPr>
+        <a:solidFill>
+          <a:srgbClr val="FFF8E7"/>
+        </a:solidFill>
+        <a:effectLst/>
+      </p:bgPr>
+    </p:bg>
+    <p:spTree>
+      <p:nvGrpSpPr>
+        <p:cNvPr id="1" name=""/>
+        <p:cNvGrpSpPr/>
+        <p:nvPr/>
+      </p:nvGrpSpPr>
+      <p:grpSpPr>
+        <a:xfrm>
+          <a:off x="0" y="0"/>
+          <a:ext cx="0" cy="0"/>
+          <a:chOff x="0" y="0"/>
+          <a:chExt cx="0" cy="0"/>
+        </a:xfrm>
+      </p:grpSpPr>
+      <p:sp>
+        <p:nvSpPr>
+          <p:cNvPr id="2" name="Заголовок 1"/>
+          <p:cNvSpPr>
+            <a:spLocks noGrp="1"/>
+          </p:cNvSpPr>
+          <p:nvPr>
+            <p:ph type="title"/>
+          </p:nvPr>
+        </p:nvSpPr>
+        <p:spPr>
+          <a:xfrm>
+            <a:off x="1045029" y="1026367"/>
+            <a:ext cx="5928761" cy="704461"/>
+          </a:xfrm>
+        </p:spPr>
+        <p:txBody>
+          <a:bodyPr/>
+          <a:lstStyle/>
+          <a:p>
+            <a:r>
+              <a:rPr lang="ru-RU" dirty="0" smtClean="0">
+                <a:solidFill>
+                  <a:srgbClr val="ABC357"/>
+                </a:solidFill>
+                <a:latin typeface="Arial Black" panose="020B0A04020102020204" pitchFamily="34" charset="0"/>
+              </a:rPr>
+              <a:t>Кто </a:t>
+            </a:r>
+            <a:r>
+              <a:rPr lang="ru-RU" dirty="0" smtClean="0">
+                <a:latin typeface="Arial Black" panose="020B0A04020102020204" pitchFamily="34" charset="0"/>
+              </a:rPr>
+              <a:t>такой </a:t>
+            </a:r>
+            <a:r>
+              <a:rPr lang="ru-RU" dirty="0" err="1" smtClean="0">
+                <a:latin typeface="Arial Black" panose="020B0A04020102020204" pitchFamily="34" charset="0"/>
+              </a:rPr>
+              <a:t>бульбик</a:t>
+            </a:r>
+            <a:r>
+              <a:rPr lang="ru-RU" dirty="0" smtClean="0">
+                <a:latin typeface="Arial Black" panose="020B0A04020102020204" pitchFamily="34" charset="0"/>
+              </a:rPr>
+              <a:t>?</a:t>
+            </a:r>
+            <a:endParaRPr lang="ru-RU" dirty="0">
+              <a:latin typeface="Arial Black" panose="020B0A04020102020204" pitchFamily="34" charset="0"/>
+            </a:endParaRPr>
+          </a:p>
+        </p:txBody>
+      </p:sp>
+      <p:sp>
+        <p:nvSpPr>
+          <p:cNvPr id="4" name="Заголовок 1"/>
+          <p:cNvSpPr txBox="1">
+            <a:spLocks/>
+          </p:cNvSpPr>
+          <p:nvPr/>
+        </p:nvSpPr>
+        <p:spPr>
+          <a:xfrm>
+            <a:off x="5601479" y="2584579"/>
+            <a:ext cx="5928761" cy="777569"/>
+          </a:xfrm>
+          <a:prstGeom prst="rect">
+            <a:avLst/>
+          </a:prstGeom>
+        </p:spPr>
+        <p:txBody>
+          <a:bodyPr vert="horz" lIns="91440" tIns="45720" rIns="91440" bIns="45720" rtlCol="0" anchor="b">
+            <a:normAutofit/>
+          </a:bodyPr>
+          <a:lstStyle>
+            <a:lvl1pPr algn="l" defTabSz="914400" rtl="0" eaLnBrk="1" latinLnBrk="0" hangingPunct="1">
+              <a:lnSpc>
+                <a:spcPct val="90000"/>
+              </a:lnSpc>
+              <a:spcBef>
+                <a:spcPct val="0"/>
+              </a:spcBef>
+              <a:buNone/>
+              <a:defRPr sz="3200" kern="1200">
+                <a:solidFill>
+                  <a:schemeClr val="tx1"/>
+                </a:solidFill>
+                <a:latin typeface="+mj-lt"/>
+                <a:ea typeface="+mj-ea"/>
+                <a:cs typeface="+mj-cs"/>
+              </a:defRPr>
+            </a:lvl1pPr>
+          </a:lstStyle>
+          <a:p>
+            <a:r>
+              <a:rPr lang="ru-RU" dirty="0" smtClean="0">
+                <a:solidFill>
+                  <a:srgbClr val="ABC357"/>
+                </a:solidFill>
+                <a:latin typeface="Arial Black" panose="020B0A04020102020204" pitchFamily="34" charset="0"/>
+              </a:rPr>
+              <a:t>Работа </a:t>
+            </a:r>
+            <a:r>
+              <a:rPr lang="ru-RU" dirty="0" err="1" smtClean="0">
+                <a:latin typeface="Arial Black" panose="020B0A04020102020204" pitchFamily="34" charset="0"/>
+              </a:rPr>
+              <a:t>бульбика</a:t>
+            </a:r>
+            <a:endParaRPr lang="ru-RU" dirty="0">
+              <a:latin typeface="Arial Black" panose="020B0A04020102020204" pitchFamily="34" charset="0"/>
+            </a:endParaRPr>
+          </a:p>
+        </p:txBody>
+      </p:sp>
+      <p:pic>
+        <p:nvPicPr>
+          <p:cNvPr id="8" name="Объект 7"/>
+          <p:cNvPicPr>
+            <a:picLocks noGrp="1" noChangeAspect="1"/>
+          </p:cNvPicPr>
+          <p:nvPr>
+            <p:ph idx="1"/>
+          </p:nvPr>
+        </p:nvPicPr>
+        <p:blipFill>
+          <a:blip r:embed="rId2">
+            <a:extLst>
+              <a:ext uri="{BEBA8EAE-BF5A-486C-A8C5-ECC9F3942E4B}">
+                <a14:imgProps xmlns:a14="http://schemas.microsoft.com/office/drawing/2010/main">
+                  <a14:imgLayer r:embed="rId3">
+                    <a14:imgEffect>
+                      <a14:brightnessContrast contrast="20000"/>
+                    </a14:imgEffect>
+                  </a14:imgLayer>
+                </a14:imgProps>
+              </a:ext>
+              <a:ext uri="{28A0092B-C50C-407E-A947-70E740481C1C}">
+                <a14:useLocalDpi xmlns:a14="http://schemas.microsoft.com/office/drawing/2010/main" val="0"/>
+              </a:ext>
+            </a:extLst>
+          </a:blip>
+          <a:stretch>
+            <a:fillRect/>
+          </a:stretch>
+        </p:blipFill>
+        <p:spPr>
+          <a:xfrm>
+            <a:off x="1045029" y="1826857"/>
+            <a:ext cx="2124075" cy="3848100"/>
+          </a:xfrm>
+        </p:spPr>
+      </p:pic>
+      <p:pic>
+        <p:nvPicPr>
+          <p:cNvPr id="9" name="Рисунок 8"/>
+          <p:cNvPicPr>
+            <a:picLocks noChangeAspect="1"/>
+          </p:cNvPicPr>
+          <p:nvPr/>
+        </p:nvPicPr>
+        <p:blipFill>
+          <a:blip r:embed="rId4">
+            <a:extLst>
+              <a:ext uri="{28A0092B-C50C-407E-A947-70E740481C1C}">
+                <a14:useLocalDpi xmlns:a14="http://schemas.microsoft.com/office/drawing/2010/main" val="0"/>
+              </a:ext>
+            </a:extLst>
+          </a:blip>
+          <a:stretch>
+            <a:fillRect/>
+          </a:stretch>
+        </p:blipFill>
+        <p:spPr>
+          <a:xfrm>
+            <a:off x="5601479" y="3669018"/>
+            <a:ext cx="1805345" cy="2005939"/>
+          </a:xfrm>
+          <a:prstGeom prst="rect">
+            <a:avLst/>
+          </a:prstGeom>
+        </p:spPr>
+      </p:pic>
+      <p:sp>
+        <p:nvSpPr>
+          <p:cNvPr id="10" name="TextBox 9"/>
+          <p:cNvSpPr txBox="1"/>
+          <p:nvPr/>
+        </p:nvSpPr>
+        <p:spPr>
+          <a:xfrm>
+            <a:off x="7632797" y="3669018"/>
+            <a:ext cx="3321341" cy="923330"/>
+          </a:xfrm>
+          <a:prstGeom prst="rect">
+            <a:avLst/>
+          </a:prstGeom>
+          <a:noFill/>
+        </p:spPr>
+        <p:txBody>
+          <a:bodyPr wrap="square" rtlCol="0">
+            <a:spAutoFit/>
+          </a:bodyPr>
+          <a:lstStyle/>
+          <a:p>
+            <a:r>
+              <a:rPr lang="ru-RU" dirty="0" smtClean="0">
+                <a:latin typeface="Arial Black" panose="020B0A04020102020204" pitchFamily="34" charset="0"/>
+              </a:rPr>
+              <a:t>Объясняет непонятливым динозаврам, что делать</a:t>
+            </a:r>
+            <a:endParaRPr lang="ru-RU" dirty="0">
+              <a:latin typeface="Arial Black" panose="020B0A04020102020204" pitchFamily="34" charset="0"/>
+            </a:endParaRPr>
+          </a:p>
+        </p:txBody>
+      </p:sp>
+    </p:spTree>
+    <p:extLst>
+      <p:ext uri="{BB962C8B-B14F-4D97-AF65-F5344CB8AC3E}">
+        <p14:creationId xmlns:p14="http://schemas.microsoft.com/office/powerpoint/2010/main" val="226353176"/>
+      </p:ext>
+    </p:extLst>
+  </p:cSld>
+  <p:clrMapOvr>
+    <a:masterClrMapping/>
+  </p:clrMapOvr>
+  <p:timing>
+    <p:tnLst>
+      <p:par>
+        <p:cTn id="1" dur="indefinite" restart="never" nodeType="tmRoot"/>
+      </p:par>
+    </p:tnLst>
+  </p:timing>
+</p:sld>
+</file>
+
+<file path=ppt/slides/slide9.xml><?xml version="1.0" encoding="utf-8"?>
+<p:sld xmlns:a="http://schemas.openxmlformats.org/drawingml/2006/main" xmlns:r="http://schemas.openxmlformats.org/officeDocument/2006/relationships" xmlns:p="http://schemas.openxmlformats.org/presentationml/2006/main">
+  <p:cSld>
+    <p:bg>
+      <p:bgPr>
+        <a:solidFill>
+          <a:srgbClr val="FFF8E7"/>
+        </a:solidFill>
+        <a:effectLst/>
+      </p:bgPr>
+    </p:bg>
+    <p:spTree>
+      <p:nvGrpSpPr>
+        <p:cNvPr id="1" name=""/>
+        <p:cNvGrpSpPr/>
+        <p:nvPr/>
+      </p:nvGrpSpPr>
+      <p:grpSpPr>
+        <a:xfrm>
+          <a:off x="0" y="0"/>
+          <a:ext cx="0" cy="0"/>
+          <a:chOff x="0" y="0"/>
+          <a:chExt cx="0" cy="0"/>
+        </a:xfrm>
+      </p:grpSpPr>
+      <p:sp>
+        <p:nvSpPr>
+          <p:cNvPr id="2" name="Заголовок 1"/>
+          <p:cNvSpPr>
+            <a:spLocks noGrp="1"/>
+          </p:cNvSpPr>
+          <p:nvPr>
+            <p:ph type="title"/>
+          </p:nvPr>
+        </p:nvSpPr>
+        <p:spPr>
+          <a:xfrm>
+            <a:off x="1045029" y="1026367"/>
+            <a:ext cx="7921689" cy="704461"/>
+          </a:xfrm>
+        </p:spPr>
+        <p:txBody>
+          <a:bodyPr>
+            <a:normAutofit/>
+          </a:bodyPr>
+          <a:lstStyle/>
+          <a:p>
+            <a:r>
+              <a:rPr lang="ru-RU" dirty="0" smtClean="0">
+                <a:solidFill>
+                  <a:srgbClr val="ABC357"/>
+                </a:solidFill>
+                <a:latin typeface="Arial Black" panose="020B0A04020102020204" pitchFamily="34" charset="0"/>
+              </a:rPr>
+              <a:t>Использованные </a:t>
+            </a:r>
+            <a:r>
+              <a:rPr lang="ru-RU" dirty="0" smtClean="0">
+                <a:latin typeface="Arial Black" panose="020B0A04020102020204" pitchFamily="34" charset="0"/>
+              </a:rPr>
+              <a:t>библиотеки</a:t>
+            </a:r>
+            <a:endParaRPr lang="ru-RU" dirty="0">
+              <a:latin typeface="Arial Black" panose="020B0A04020102020204" pitchFamily="34" charset="0"/>
+            </a:endParaRPr>
+          </a:p>
+        </p:txBody>
+      </p:sp>
+      <p:sp>
+        <p:nvSpPr>
+          <p:cNvPr id="4" name="Заголовок 1"/>
+          <p:cNvSpPr txBox="1">
+            <a:spLocks/>
+          </p:cNvSpPr>
+          <p:nvPr/>
+        </p:nvSpPr>
+        <p:spPr>
+          <a:xfrm>
+            <a:off x="7735079" y="2640563"/>
+            <a:ext cx="4456921" cy="1017037"/>
+          </a:xfrm>
+          <a:prstGeom prst="rect">
+            <a:avLst/>
+          </a:prstGeom>
+        </p:spPr>
+        <p:txBody>
+          <a:bodyPr vert="horz" lIns="91440" tIns="45720" rIns="91440" bIns="45720" rtlCol="0" anchor="b">
+            <a:normAutofit/>
+          </a:bodyPr>
+          <a:lstStyle>
+            <a:lvl1pPr algn="l" defTabSz="914400" rtl="0" eaLnBrk="1" latinLnBrk="0" hangingPunct="1">
+              <a:lnSpc>
+                <a:spcPct val="90000"/>
+              </a:lnSpc>
+              <a:spcBef>
+                <a:spcPct val="0"/>
+              </a:spcBef>
+              <a:buNone/>
+              <a:defRPr sz="3200" kern="1200">
+                <a:solidFill>
+                  <a:schemeClr val="tx1"/>
+                </a:solidFill>
+                <a:latin typeface="+mj-lt"/>
+                <a:ea typeface="+mj-ea"/>
+                <a:cs typeface="+mj-cs"/>
+              </a:defRPr>
+            </a:lvl1pPr>
+          </a:lstStyle>
+          <a:p>
+            <a:r>
+              <a:rPr lang="ru-RU" dirty="0" smtClean="0">
+                <a:solidFill>
+                  <a:srgbClr val="ABC357"/>
+                </a:solidFill>
+                <a:latin typeface="Arial Black" panose="020B0A04020102020204" pitchFamily="34" charset="0"/>
+              </a:rPr>
+              <a:t>Приложение</a:t>
+            </a:r>
+            <a:r>
+              <a:rPr lang="ru-RU" dirty="0" smtClean="0">
+                <a:latin typeface="Arial Black" panose="020B0A04020102020204" pitchFamily="34" charset="0"/>
+              </a:rPr>
+              <a:t> для создания карты</a:t>
+            </a:r>
+            <a:endParaRPr lang="ru-RU" dirty="0">
+              <a:latin typeface="Arial Black" panose="020B0A04020102020204" pitchFamily="34" charset="0"/>
+            </a:endParaRPr>
+          </a:p>
+        </p:txBody>
+      </p:sp>
+      <p:pic>
+        <p:nvPicPr>
+          <p:cNvPr id="11" name="Объект 10"/>
+          <p:cNvPicPr>
+            <a:picLocks noGrp="1"/>
+          </p:cNvPicPr>
+          <p:nvPr>
+            <p:ph idx="1"/>
+          </p:nvPr>
+        </p:nvPicPr>
+        <p:blipFill rotWithShape="1">
+          <a:blip r:embed="rId2">
+            <a:extLst>
+              <a:ext uri="{28A0092B-C50C-407E-A947-70E740481C1C}">
+                <a14:useLocalDpi xmlns:a14="http://schemas.microsoft.com/office/drawing/2010/main" val="0"/>
+              </a:ext>
+            </a:extLst>
+          </a:blip>
+          <a:srcRect l="5516" t="12998" r="77552" b="67389"/>
+          <a:stretch/>
+        </p:blipFill>
+        <p:spPr bwMode="auto">
+          <a:xfrm>
+            <a:off x="1180276" y="1803287"/>
+            <a:ext cx="3904907" cy="3117722"/>
+          </a:xfrm>
+          <a:prstGeom prst="rect">
+            <a:avLst/>
+          </a:prstGeom>
+          <a:ln>
+            <a:noFill/>
+          </a:ln>
+          <a:extLst>
+            <a:ext uri="{53640926-AAD7-44D8-BBD7-CCE9431645EC}">
+              <a14:shadowObscured xmlns:a14="http://schemas.microsoft.com/office/drawing/2010/main"/>
+            </a:ext>
+          </a:extLst>
+        </p:spPr>
+      </p:pic>
+      <p:pic>
+        <p:nvPicPr>
+          <p:cNvPr id="12" name="Рисунок 11"/>
+          <p:cNvPicPr/>
+          <p:nvPr/>
+        </p:nvPicPr>
+        <p:blipFill>
+          <a:blip r:embed="rId3">
+            <a:extLst>
+              <a:ext uri="{28A0092B-C50C-407E-A947-70E740481C1C}">
+                <a14:useLocalDpi xmlns:a14="http://schemas.microsoft.com/office/drawing/2010/main" val="0"/>
+              </a:ext>
+            </a:extLst>
+          </a:blip>
+          <a:stretch>
+            <a:fillRect/>
+          </a:stretch>
+        </p:blipFill>
+        <p:spPr>
+          <a:xfrm>
+            <a:off x="7859487" y="3826683"/>
+            <a:ext cx="2598018" cy="2393924"/>
+          </a:xfrm>
+          <a:prstGeom prst="rect">
+            <a:avLst/>
+          </a:prstGeom>
+        </p:spPr>
+      </p:pic>
+    </p:spTree>
+    <p:extLst>
+      <p:ext uri="{BB962C8B-B14F-4D97-AF65-F5344CB8AC3E}">
+        <p14:creationId xmlns:p14="http://schemas.microsoft.com/office/powerpoint/2010/main" val="151435311"/>
       </p:ext>
     </p:extLst>
   </p:cSld>
